--- a/图形学算法/两平面求交线/两平面求交线.pptx
+++ b/图形学算法/两平面求交线/两平面求交线.pptx
@@ -6,6 +6,7 @@
   </p:sldMasterIdLst>
   <p:sldIdLst>
     <p:sldId id="256" r:id="rId2"/>
+    <p:sldId id="257" r:id="rId3"/>
   </p:sldIdLst>
   <p:sldSz cx="12192000" cy="6858000"/>
   <p:notesSz cx="6858000" cy="9144000"/>
@@ -3490,197 +3491,657 @@
           </a:p>
         </p:txBody>
       </p:sp>
-      <p:grpSp>
-        <p:nvGrpSpPr>
-          <p:cNvPr id="2" name="组合 1">
-            <a:extLst>
-              <a:ext uri="{FF2B5EF4-FFF2-40B4-BE49-F238E27FC236}">
-                <a16:creationId xmlns:a16="http://schemas.microsoft.com/office/drawing/2014/main" id="{C9C19695-47D5-D945-82BE-5ED93EFEEE10}"/>
-              </a:ext>
-            </a:extLst>
-          </p:cNvPr>
-          <p:cNvGrpSpPr/>
+      <p:cxnSp>
+        <p:nvCxnSpPr>
+          <p:cNvPr id="8" name="直线连接符 7">
+            <a:extLst>
+              <a:ext uri="{FF2B5EF4-FFF2-40B4-BE49-F238E27FC236}">
+                <a16:creationId xmlns:a16="http://schemas.microsoft.com/office/drawing/2014/main" id="{020BEDD6-CA46-6B41-B5EF-316EBCC2A2DE}"/>
+              </a:ext>
+            </a:extLst>
+          </p:cNvPr>
+          <p:cNvCxnSpPr>
+            <a:cxnSpLocks/>
+          </p:cNvCxnSpPr>
           <p:nvPr/>
-        </p:nvGrpSpPr>
-        <p:grpSpPr>
+        </p:nvCxnSpPr>
+        <p:spPr>
+          <a:xfrm rot="639943" flipV="1">
+            <a:off x="4774111" y="1243004"/>
+            <a:ext cx="1068946" cy="3825025"/>
+          </a:xfrm>
+          <a:prstGeom prst="line">
+            <a:avLst/>
+          </a:prstGeom>
+          <a:ln w="15875">
+            <a:solidFill>
+              <a:srgbClr val="FF0000"/>
+            </a:solidFill>
+            <a:headEnd type="none"/>
+            <a:tailEnd type="arrow"/>
+          </a:ln>
+        </p:spPr>
+        <p:style>
+          <a:lnRef idx="1">
+            <a:schemeClr val="accent1"/>
+          </a:lnRef>
+          <a:fillRef idx="0">
+            <a:schemeClr val="accent1"/>
+          </a:fillRef>
+          <a:effectRef idx="0">
+            <a:schemeClr val="accent1"/>
+          </a:effectRef>
+          <a:fontRef idx="minor">
+            <a:schemeClr val="tx1"/>
+          </a:fontRef>
+        </p:style>
+      </p:cxnSp>
+      <p:sp>
+        <p:nvSpPr>
+          <p:cNvPr id="27" name="椭圆 26">
+            <a:extLst>
+              <a:ext uri="{FF2B5EF4-FFF2-40B4-BE49-F238E27FC236}">
+                <a16:creationId xmlns:a16="http://schemas.microsoft.com/office/drawing/2014/main" id="{1E0B170F-0EA4-A94F-8DBA-AA7A5BCD0BB3}"/>
+              </a:ext>
+            </a:extLst>
+          </p:cNvPr>
+          <p:cNvSpPr/>
+          <p:nvPr/>
+        </p:nvSpPr>
+        <p:spPr>
           <a:xfrm rot="639943">
-            <a:off x="4769921" y="1287888"/>
-            <a:ext cx="1553976" cy="3825025"/>
-            <a:chOff x="4790941" y="1287888"/>
-            <a:chExt cx="1553976" cy="3825025"/>
+            <a:off x="4635855" y="4288550"/>
+            <a:ext cx="144000" cy="144000"/>
           </a:xfrm>
-        </p:grpSpPr>
-        <p:cxnSp>
-          <p:nvCxnSpPr>
-            <p:cNvPr id="8" name="直线连接符 7">
-              <a:extLst>
-                <a:ext uri="{FF2B5EF4-FFF2-40B4-BE49-F238E27FC236}">
-                  <a16:creationId xmlns:a16="http://schemas.microsoft.com/office/drawing/2014/main" id="{020BEDD6-CA46-6B41-B5EF-316EBCC2A2DE}"/>
-                </a:ext>
-              </a:extLst>
-            </p:cNvPr>
-            <p:cNvCxnSpPr>
-              <a:cxnSpLocks/>
-            </p:cNvCxnSpPr>
-            <p:nvPr/>
-          </p:nvCxnSpPr>
-          <p:spPr>
-            <a:xfrm flipV="1">
-              <a:off x="4790941" y="1287888"/>
-              <a:ext cx="1068946" cy="3825025"/>
-            </a:xfrm>
-            <a:prstGeom prst="line">
-              <a:avLst/>
-            </a:prstGeom>
-            <a:ln w="15875">
-              <a:solidFill>
-                <a:srgbClr val="FF0000"/>
-              </a:solidFill>
-              <a:headEnd type="none"/>
-              <a:tailEnd type="arrow"/>
-            </a:ln>
-          </p:spPr>
-          <p:style>
-            <a:lnRef idx="1">
-              <a:schemeClr val="accent1"/>
-            </a:lnRef>
-            <a:fillRef idx="0">
-              <a:schemeClr val="accent1"/>
-            </a:fillRef>
-            <a:effectRef idx="0">
-              <a:schemeClr val="accent1"/>
-            </a:effectRef>
-            <a:fontRef idx="minor">
-              <a:schemeClr val="tx1"/>
-            </a:fontRef>
-          </p:style>
-        </p:cxnSp>
-        <p:sp>
-          <p:nvSpPr>
-            <p:cNvPr id="27" name="椭圆 26">
-              <a:extLst>
-                <a:ext uri="{FF2B5EF4-FFF2-40B4-BE49-F238E27FC236}">
-                  <a16:creationId xmlns:a16="http://schemas.microsoft.com/office/drawing/2014/main" id="{1E0B170F-0EA4-A94F-8DBA-AA7A5BCD0BB3}"/>
-                </a:ext>
-              </a:extLst>
-            </p:cNvPr>
-            <p:cNvSpPr/>
-            <p:nvPr/>
-          </p:nvSpPr>
-          <p:spPr>
-            <a:xfrm>
-              <a:off x="4886090" y="4423798"/>
-              <a:ext cx="144000" cy="144000"/>
-            </a:xfrm>
-            <a:prstGeom prst="ellipse">
-              <a:avLst/>
-            </a:prstGeom>
-            <a:solidFill>
-              <a:srgbClr val="00B050"/>
-            </a:solidFill>
-          </p:spPr>
-          <p:style>
-            <a:lnRef idx="2">
-              <a:schemeClr val="accent1">
-                <a:shade val="50000"/>
-              </a:schemeClr>
-            </a:lnRef>
-            <a:fillRef idx="1">
-              <a:schemeClr val="accent1"/>
-            </a:fillRef>
-            <a:effectRef idx="0">
-              <a:schemeClr val="accent1"/>
-            </a:effectRef>
-            <a:fontRef idx="minor">
-              <a:schemeClr val="lt1"/>
-            </a:fontRef>
-          </p:style>
-          <p:txBody>
-            <a:bodyPr rtlCol="0" anchor="ctr"/>
-            <a:lstStyle/>
-            <a:p>
-              <a:pPr algn="ctr"/>
-              <a:endParaRPr kumimoji="1" lang="zh-CN" altLang="en-US"/>
-            </a:p>
-          </p:txBody>
-        </p:sp>
-        <p:sp>
-          <p:nvSpPr>
-            <p:cNvPr id="28" name="文本框 27">
-              <a:extLst>
-                <a:ext uri="{FF2B5EF4-FFF2-40B4-BE49-F238E27FC236}">
-                  <a16:creationId xmlns:a16="http://schemas.microsoft.com/office/drawing/2014/main" id="{C71659C6-85B4-FD45-8531-2A9C3E53DE3D}"/>
-                </a:ext>
-              </a:extLst>
-            </p:cNvPr>
-            <p:cNvSpPr txBox="1"/>
-            <p:nvPr/>
-          </p:nvSpPr>
-          <p:spPr>
-            <a:xfrm>
-              <a:off x="5022760" y="4623515"/>
-              <a:ext cx="359394" cy="369332"/>
-            </a:xfrm>
-            <a:prstGeom prst="rect">
-              <a:avLst/>
-            </a:prstGeom>
-            <a:noFill/>
-          </p:spPr>
-          <p:txBody>
-            <a:bodyPr wrap="none" rtlCol="0">
-              <a:spAutoFit/>
-            </a:bodyPr>
-            <a:lstStyle/>
-            <a:p>
-              <a:r>
-                <a:rPr kumimoji="1" lang="en-US" altLang="zh-CN" dirty="0"/>
-                <a:t>O</a:t>
-              </a:r>
-              <a:endParaRPr kumimoji="1" lang="zh-CN" altLang="en-US" dirty="0"/>
-            </a:p>
-          </p:txBody>
-        </p:sp>
-        <p:sp>
-          <p:nvSpPr>
-            <p:cNvPr id="29" name="文本框 28">
-              <a:extLst>
-                <a:ext uri="{FF2B5EF4-FFF2-40B4-BE49-F238E27FC236}">
-                  <a16:creationId xmlns:a16="http://schemas.microsoft.com/office/drawing/2014/main" id="{9D5DCF03-3E1B-9F4E-8E6B-FC7573167159}"/>
-                </a:ext>
-              </a:extLst>
-            </p:cNvPr>
-            <p:cNvSpPr txBox="1"/>
-            <p:nvPr/>
-          </p:nvSpPr>
-          <p:spPr>
-            <a:xfrm>
-              <a:off x="6001553" y="1313645"/>
-              <a:ext cx="343364" cy="369332"/>
-            </a:xfrm>
-            <a:prstGeom prst="rect">
-              <a:avLst/>
-            </a:prstGeom>
-            <a:noFill/>
-          </p:spPr>
-          <p:txBody>
-            <a:bodyPr wrap="none" rtlCol="0">
-              <a:spAutoFit/>
-            </a:bodyPr>
-            <a:lstStyle/>
-            <a:p>
-              <a:r>
-                <a:rPr kumimoji="1" lang="en-US" altLang="zh-CN" dirty="0"/>
-                <a:t>D</a:t>
-              </a:r>
-              <a:endParaRPr kumimoji="1" lang="zh-CN" altLang="en-US" dirty="0"/>
-            </a:p>
-          </p:txBody>
-        </p:sp>
-      </p:grpSp>
+          <a:prstGeom prst="ellipse">
+            <a:avLst/>
+          </a:prstGeom>
+          <a:solidFill>
+            <a:srgbClr val="00B050"/>
+          </a:solidFill>
+        </p:spPr>
+        <p:style>
+          <a:lnRef idx="2">
+            <a:schemeClr val="accent1">
+              <a:shade val="50000"/>
+            </a:schemeClr>
+          </a:lnRef>
+          <a:fillRef idx="1">
+            <a:schemeClr val="accent1"/>
+          </a:fillRef>
+          <a:effectRef idx="0">
+            <a:schemeClr val="accent1"/>
+          </a:effectRef>
+          <a:fontRef idx="minor">
+            <a:schemeClr val="lt1"/>
+          </a:fontRef>
+        </p:style>
+        <p:txBody>
+          <a:bodyPr rtlCol="0" anchor="ctr"/>
+          <a:lstStyle/>
+          <a:p>
+            <a:pPr algn="ctr"/>
+            <a:endParaRPr kumimoji="1" lang="zh-CN" altLang="en-US"/>
+          </a:p>
+        </p:txBody>
+      </p:sp>
+      <p:sp>
+        <p:nvSpPr>
+          <p:cNvPr id="28" name="文本框 27">
+            <a:extLst>
+              <a:ext uri="{FF2B5EF4-FFF2-40B4-BE49-F238E27FC236}">
+                <a16:creationId xmlns:a16="http://schemas.microsoft.com/office/drawing/2014/main" id="{C71659C6-85B4-FD45-8531-2A9C3E53DE3D}"/>
+              </a:ext>
+            </a:extLst>
+          </p:cNvPr>
+          <p:cNvSpPr txBox="1"/>
+          <p:nvPr/>
+        </p:nvSpPr>
+        <p:spPr>
+          <a:xfrm rot="639943">
+            <a:off x="4710488" y="4528097"/>
+            <a:ext cx="359394" cy="369332"/>
+          </a:xfrm>
+          <a:prstGeom prst="rect">
+            <a:avLst/>
+          </a:prstGeom>
+          <a:noFill/>
+        </p:spPr>
+        <p:txBody>
+          <a:bodyPr wrap="none" rtlCol="0">
+            <a:spAutoFit/>
+          </a:bodyPr>
+          <a:lstStyle/>
+          <a:p>
+            <a:r>
+              <a:rPr kumimoji="1" lang="en-US" altLang="zh-CN" dirty="0"/>
+              <a:t>O</a:t>
+            </a:r>
+            <a:endParaRPr kumimoji="1" lang="zh-CN" altLang="en-US" dirty="0"/>
+          </a:p>
+        </p:txBody>
+      </p:sp>
+      <p:sp>
+        <p:nvSpPr>
+          <p:cNvPr id="29" name="文本框 28">
+            <a:extLst>
+              <a:ext uri="{FF2B5EF4-FFF2-40B4-BE49-F238E27FC236}">
+                <a16:creationId xmlns:a16="http://schemas.microsoft.com/office/drawing/2014/main" id="{9D5DCF03-3E1B-9F4E-8E6B-FC7573167159}"/>
+              </a:ext>
+            </a:extLst>
+          </p:cNvPr>
+          <p:cNvSpPr txBox="1"/>
+          <p:nvPr/>
+        </p:nvSpPr>
+        <p:spPr>
+          <a:xfrm rot="639943">
+            <a:off x="6285096" y="1455080"/>
+            <a:ext cx="343364" cy="369332"/>
+          </a:xfrm>
+          <a:prstGeom prst="rect">
+            <a:avLst/>
+          </a:prstGeom>
+          <a:noFill/>
+        </p:spPr>
+        <p:txBody>
+          <a:bodyPr wrap="none" rtlCol="0">
+            <a:spAutoFit/>
+          </a:bodyPr>
+          <a:lstStyle/>
+          <a:p>
+            <a:r>
+              <a:rPr kumimoji="1" lang="en-US" altLang="zh-CN" dirty="0"/>
+              <a:t>D</a:t>
+            </a:r>
+            <a:endParaRPr kumimoji="1" lang="zh-CN" altLang="en-US" dirty="0"/>
+          </a:p>
+        </p:txBody>
+      </p:sp>
     </p:spTree>
     <p:extLst>
       <p:ext uri="{BB962C8B-B14F-4D97-AF65-F5344CB8AC3E}">
         <p14:creationId xmlns:p14="http://schemas.microsoft.com/office/powerpoint/2010/main" val="3085400265"/>
+      </p:ext>
+    </p:extLst>
+  </p:cSld>
+  <p:clrMapOvr>
+    <a:masterClrMapping/>
+  </p:clrMapOvr>
+</p:sld>
+</file>
+
+<file path=ppt/slides/slide2.xml><?xml version="1.0" encoding="utf-8"?>
+<p:sld xmlns:a="http://schemas.openxmlformats.org/drawingml/2006/main" xmlns:r="http://schemas.openxmlformats.org/officeDocument/2006/relationships" xmlns:p="http://schemas.openxmlformats.org/presentationml/2006/main">
+  <p:cSld>
+    <p:spTree>
+      <p:nvGrpSpPr>
+        <p:cNvPr id="1" name=""/>
+        <p:cNvGrpSpPr/>
+        <p:nvPr/>
+      </p:nvGrpSpPr>
+      <p:grpSpPr>
+        <a:xfrm>
+          <a:off x="0" y="0"/>
+          <a:ext cx="0" cy="0"/>
+          <a:chOff x="0" y="0"/>
+          <a:chExt cx="0" cy="0"/>
+        </a:xfrm>
+      </p:grpSpPr>
+      <p:sp>
+        <p:nvSpPr>
+          <p:cNvPr id="3" name="平行四边形 2">
+            <a:extLst>
+              <a:ext uri="{FF2B5EF4-FFF2-40B4-BE49-F238E27FC236}">
+                <a16:creationId xmlns:a16="http://schemas.microsoft.com/office/drawing/2014/main" id="{E13DB647-4244-3E4C-8CCD-0A9DDF1D63C7}"/>
+              </a:ext>
+            </a:extLst>
+          </p:cNvPr>
+          <p:cNvSpPr/>
+          <p:nvPr/>
+        </p:nvSpPr>
+        <p:spPr>
+          <a:xfrm rot="16200000">
+            <a:off x="4075466" y="1424156"/>
+            <a:ext cx="2263379" cy="1174509"/>
+          </a:xfrm>
+          <a:prstGeom prst="parallelogram">
+            <a:avLst>
+              <a:gd name="adj" fmla="val 53930"/>
+            </a:avLst>
+          </a:prstGeom>
+          <a:solidFill>
+            <a:schemeClr val="accent4"/>
+          </a:solidFill>
+          <a:ln>
+            <a:noFill/>
+          </a:ln>
+        </p:spPr>
+        <p:style>
+          <a:lnRef idx="2">
+            <a:schemeClr val="accent1">
+              <a:shade val="50000"/>
+            </a:schemeClr>
+          </a:lnRef>
+          <a:fillRef idx="1">
+            <a:schemeClr val="accent1"/>
+          </a:fillRef>
+          <a:effectRef idx="0">
+            <a:schemeClr val="accent1"/>
+          </a:effectRef>
+          <a:fontRef idx="minor">
+            <a:schemeClr val="lt1"/>
+          </a:fontRef>
+        </p:style>
+        <p:txBody>
+          <a:bodyPr rtlCol="0" anchor="ctr"/>
+          <a:lstStyle/>
+          <a:p>
+            <a:pPr algn="ctr"/>
+            <a:endParaRPr kumimoji="1" lang="zh-CN" altLang="en-US" dirty="0"/>
+          </a:p>
+        </p:txBody>
+      </p:sp>
+      <p:sp>
+        <p:nvSpPr>
+          <p:cNvPr id="5" name="平行四边形 4">
+            <a:extLst>
+              <a:ext uri="{FF2B5EF4-FFF2-40B4-BE49-F238E27FC236}">
+                <a16:creationId xmlns:a16="http://schemas.microsoft.com/office/drawing/2014/main" id="{5015B994-21A9-E242-91B5-FEB29BEA8549}"/>
+              </a:ext>
+            </a:extLst>
+          </p:cNvPr>
+          <p:cNvSpPr/>
+          <p:nvPr/>
+        </p:nvSpPr>
+        <p:spPr>
+          <a:xfrm rot="9724684">
+            <a:off x="2815368" y="1195138"/>
+            <a:ext cx="2099391" cy="1533913"/>
+          </a:xfrm>
+          <a:prstGeom prst="parallelogram">
+            <a:avLst>
+              <a:gd name="adj" fmla="val 33056"/>
+            </a:avLst>
+          </a:prstGeom>
+          <a:solidFill>
+            <a:schemeClr val="accent2"/>
+          </a:solidFill>
+          <a:ln>
+            <a:noFill/>
+          </a:ln>
+        </p:spPr>
+        <p:style>
+          <a:lnRef idx="2">
+            <a:schemeClr val="accent1">
+              <a:shade val="50000"/>
+            </a:schemeClr>
+          </a:lnRef>
+          <a:fillRef idx="1">
+            <a:schemeClr val="accent1"/>
+          </a:fillRef>
+          <a:effectRef idx="0">
+            <a:schemeClr val="accent1"/>
+          </a:effectRef>
+          <a:fontRef idx="minor">
+            <a:schemeClr val="lt1"/>
+          </a:fontRef>
+        </p:style>
+        <p:txBody>
+          <a:bodyPr rtlCol="0" anchor="ctr"/>
+          <a:lstStyle/>
+          <a:p>
+            <a:pPr algn="ctr"/>
+            <a:endParaRPr kumimoji="1" lang="zh-CN" altLang="en-US"/>
+          </a:p>
+        </p:txBody>
+      </p:sp>
+      <p:cxnSp>
+        <p:nvCxnSpPr>
+          <p:cNvPr id="14" name="直线连接符 13">
+            <a:extLst>
+              <a:ext uri="{FF2B5EF4-FFF2-40B4-BE49-F238E27FC236}">
+                <a16:creationId xmlns:a16="http://schemas.microsoft.com/office/drawing/2014/main" id="{CDC0A0ED-42EC-AC4F-9E8C-A66609AD5896}"/>
+              </a:ext>
+            </a:extLst>
+          </p:cNvPr>
+          <p:cNvCxnSpPr>
+            <a:cxnSpLocks/>
+          </p:cNvCxnSpPr>
+          <p:nvPr/>
+        </p:nvCxnSpPr>
+        <p:spPr>
+          <a:xfrm flipV="1">
+            <a:off x="4619901" y="74546"/>
+            <a:ext cx="22910" cy="3354454"/>
+          </a:xfrm>
+          <a:prstGeom prst="line">
+            <a:avLst/>
+          </a:prstGeom>
+          <a:ln w="15875">
+            <a:solidFill>
+              <a:schemeClr val="tx1"/>
+            </a:solidFill>
+            <a:headEnd type="none"/>
+            <a:tailEnd type="arrow"/>
+          </a:ln>
+        </p:spPr>
+        <p:style>
+          <a:lnRef idx="1">
+            <a:schemeClr val="accent1"/>
+          </a:lnRef>
+          <a:fillRef idx="0">
+            <a:schemeClr val="accent1"/>
+          </a:fillRef>
+          <a:effectRef idx="0">
+            <a:schemeClr val="accent1"/>
+          </a:effectRef>
+          <a:fontRef idx="minor">
+            <a:schemeClr val="tx1"/>
+          </a:fontRef>
+        </p:style>
+      </p:cxnSp>
+      <p:cxnSp>
+        <p:nvCxnSpPr>
+          <p:cNvPr id="18" name="直线连接符 17">
+            <a:extLst>
+              <a:ext uri="{FF2B5EF4-FFF2-40B4-BE49-F238E27FC236}">
+                <a16:creationId xmlns:a16="http://schemas.microsoft.com/office/drawing/2014/main" id="{907EB3AB-347E-6042-BD4C-D28327B472BA}"/>
+              </a:ext>
+            </a:extLst>
+          </p:cNvPr>
+          <p:cNvCxnSpPr>
+            <a:cxnSpLocks/>
+          </p:cNvCxnSpPr>
+          <p:nvPr/>
+        </p:nvCxnSpPr>
+        <p:spPr>
+          <a:xfrm flipH="1">
+            <a:off x="4045527" y="2011412"/>
+            <a:ext cx="1318364" cy="533526"/>
+          </a:xfrm>
+          <a:prstGeom prst="line">
+            <a:avLst/>
+          </a:prstGeom>
+          <a:ln w="15875">
+            <a:solidFill>
+              <a:srgbClr val="FF0000"/>
+            </a:solidFill>
+            <a:headEnd type="none"/>
+            <a:tailEnd type="arrow"/>
+          </a:ln>
+        </p:spPr>
+        <p:style>
+          <a:lnRef idx="1">
+            <a:schemeClr val="accent1"/>
+          </a:lnRef>
+          <a:fillRef idx="0">
+            <a:schemeClr val="accent1"/>
+          </a:fillRef>
+          <a:effectRef idx="0">
+            <a:schemeClr val="accent1"/>
+          </a:effectRef>
+          <a:fontRef idx="minor">
+            <a:schemeClr val="tx1"/>
+          </a:fontRef>
+        </p:style>
+      </p:cxnSp>
+      <p:cxnSp>
+        <p:nvCxnSpPr>
+          <p:cNvPr id="20" name="直线连接符 19">
+            <a:extLst>
+              <a:ext uri="{FF2B5EF4-FFF2-40B4-BE49-F238E27FC236}">
+                <a16:creationId xmlns:a16="http://schemas.microsoft.com/office/drawing/2014/main" id="{20C55486-EA3F-5C41-8EE9-3630B1CFDA17}"/>
+              </a:ext>
+            </a:extLst>
+          </p:cNvPr>
+          <p:cNvCxnSpPr>
+            <a:cxnSpLocks/>
+          </p:cNvCxnSpPr>
+          <p:nvPr/>
+        </p:nvCxnSpPr>
+        <p:spPr>
+          <a:xfrm>
+            <a:off x="3815660" y="2011410"/>
+            <a:ext cx="1133910" cy="404941"/>
+          </a:xfrm>
+          <a:prstGeom prst="line">
+            <a:avLst/>
+          </a:prstGeom>
+          <a:ln w="15875">
+            <a:solidFill>
+              <a:srgbClr val="FF0000"/>
+            </a:solidFill>
+            <a:headEnd type="none"/>
+            <a:tailEnd type="arrow"/>
+          </a:ln>
+        </p:spPr>
+        <p:style>
+          <a:lnRef idx="1">
+            <a:schemeClr val="accent1"/>
+          </a:lnRef>
+          <a:fillRef idx="0">
+            <a:schemeClr val="accent1"/>
+          </a:fillRef>
+          <a:effectRef idx="0">
+            <a:schemeClr val="accent1"/>
+          </a:effectRef>
+          <a:fontRef idx="minor">
+            <a:schemeClr val="tx1"/>
+          </a:fontRef>
+        </p:style>
+      </p:cxnSp>
+      <p:sp>
+        <p:nvSpPr>
+          <p:cNvPr id="23" name="圆角右箭头 22">
+            <a:extLst>
+              <a:ext uri="{FF2B5EF4-FFF2-40B4-BE49-F238E27FC236}">
+                <a16:creationId xmlns:a16="http://schemas.microsoft.com/office/drawing/2014/main" id="{DA482CF9-EAFE-C243-86D8-CAF3AF31D4FA}"/>
+              </a:ext>
+            </a:extLst>
+          </p:cNvPr>
+          <p:cNvSpPr/>
+          <p:nvPr/>
+        </p:nvSpPr>
+        <p:spPr>
+          <a:xfrm rot="6819377">
+            <a:off x="3888786" y="1837402"/>
+            <a:ext cx="223742" cy="249382"/>
+          </a:xfrm>
+          <a:prstGeom prst="bentArrow">
+            <a:avLst/>
+          </a:prstGeom>
+        </p:spPr>
+        <p:style>
+          <a:lnRef idx="2">
+            <a:schemeClr val="accent1">
+              <a:shade val="50000"/>
+            </a:schemeClr>
+          </a:lnRef>
+          <a:fillRef idx="1">
+            <a:schemeClr val="accent1"/>
+          </a:fillRef>
+          <a:effectRef idx="0">
+            <a:schemeClr val="accent1"/>
+          </a:effectRef>
+          <a:fontRef idx="minor">
+            <a:schemeClr val="lt1"/>
+          </a:fontRef>
+        </p:style>
+        <p:txBody>
+          <a:bodyPr rtlCol="0" anchor="ctr"/>
+          <a:lstStyle/>
+          <a:p>
+            <a:pPr algn="ctr"/>
+            <a:endParaRPr kumimoji="1" lang="zh-CN" altLang="en-US">
+              <a:solidFill>
+                <a:schemeClr val="tx1"/>
+              </a:solidFill>
+            </a:endParaRPr>
+          </a:p>
+        </p:txBody>
+      </p:sp>
+      <p:sp>
+        <p:nvSpPr>
+          <p:cNvPr id="30" name="圆角右箭头 29">
+            <a:extLst>
+              <a:ext uri="{FF2B5EF4-FFF2-40B4-BE49-F238E27FC236}">
+                <a16:creationId xmlns:a16="http://schemas.microsoft.com/office/drawing/2014/main" id="{529AF0F5-81C6-E944-A820-5EA0F141B941}"/>
+              </a:ext>
+            </a:extLst>
+          </p:cNvPr>
+          <p:cNvSpPr/>
+          <p:nvPr/>
+        </p:nvSpPr>
+        <p:spPr>
+          <a:xfrm rot="14830885">
+            <a:off x="5191933" y="2052214"/>
+            <a:ext cx="223742" cy="249382"/>
+          </a:xfrm>
+          <a:prstGeom prst="bentArrow">
+            <a:avLst/>
+          </a:prstGeom>
+        </p:spPr>
+        <p:style>
+          <a:lnRef idx="2">
+            <a:schemeClr val="accent1">
+              <a:shade val="50000"/>
+            </a:schemeClr>
+          </a:lnRef>
+          <a:fillRef idx="1">
+            <a:schemeClr val="accent1"/>
+          </a:fillRef>
+          <a:effectRef idx="0">
+            <a:schemeClr val="accent1"/>
+          </a:effectRef>
+          <a:fontRef idx="minor">
+            <a:schemeClr val="lt1"/>
+          </a:fontRef>
+        </p:style>
+        <p:txBody>
+          <a:bodyPr rtlCol="0" anchor="ctr"/>
+          <a:lstStyle/>
+          <a:p>
+            <a:pPr algn="ctr"/>
+            <a:endParaRPr kumimoji="1" lang="zh-CN" altLang="en-US">
+              <a:solidFill>
+                <a:schemeClr val="tx1"/>
+              </a:solidFill>
+            </a:endParaRPr>
+          </a:p>
+        </p:txBody>
+      </p:sp>
+      <p:sp>
+        <p:nvSpPr>
+          <p:cNvPr id="25" name="文本框 24">
+            <a:extLst>
+              <a:ext uri="{FF2B5EF4-FFF2-40B4-BE49-F238E27FC236}">
+                <a16:creationId xmlns:a16="http://schemas.microsoft.com/office/drawing/2014/main" id="{08C31D15-B882-B94A-9A44-A6926B079ABC}"/>
+              </a:ext>
+            </a:extLst>
+          </p:cNvPr>
+          <p:cNvSpPr txBox="1"/>
+          <p:nvPr/>
+        </p:nvSpPr>
+        <p:spPr>
+          <a:xfrm>
+            <a:off x="3791547" y="2659353"/>
+            <a:ext cx="474810" cy="369332"/>
+          </a:xfrm>
+          <a:prstGeom prst="rect">
+            <a:avLst/>
+          </a:prstGeom>
+          <a:noFill/>
+        </p:spPr>
+        <p:txBody>
+          <a:bodyPr wrap="none" rtlCol="0">
+            <a:spAutoFit/>
+          </a:bodyPr>
+          <a:lstStyle/>
+          <a:p>
+            <a:r>
+              <a:rPr kumimoji="1" lang="en-US" altLang="zh-CN" dirty="0"/>
+              <a:t>N1</a:t>
+            </a:r>
+            <a:endParaRPr kumimoji="1" lang="zh-CN" altLang="en-US" dirty="0"/>
+          </a:p>
+        </p:txBody>
+      </p:sp>
+      <p:sp>
+        <p:nvSpPr>
+          <p:cNvPr id="26" name="文本框 25">
+            <a:extLst>
+              <a:ext uri="{FF2B5EF4-FFF2-40B4-BE49-F238E27FC236}">
+                <a16:creationId xmlns:a16="http://schemas.microsoft.com/office/drawing/2014/main" id="{A4805D64-6CD0-9540-BCBC-01B0795D47CB}"/>
+              </a:ext>
+            </a:extLst>
+          </p:cNvPr>
+          <p:cNvSpPr txBox="1"/>
+          <p:nvPr/>
+        </p:nvSpPr>
+        <p:spPr>
+          <a:xfrm>
+            <a:off x="4890670" y="2537559"/>
+            <a:ext cx="474810" cy="369332"/>
+          </a:xfrm>
+          <a:prstGeom prst="rect">
+            <a:avLst/>
+          </a:prstGeom>
+          <a:noFill/>
+        </p:spPr>
+        <p:txBody>
+          <a:bodyPr wrap="none" rtlCol="0">
+            <a:spAutoFit/>
+          </a:bodyPr>
+          <a:lstStyle/>
+          <a:p>
+            <a:r>
+              <a:rPr kumimoji="1" lang="en-US" altLang="zh-CN" dirty="0"/>
+              <a:t>N2</a:t>
+            </a:r>
+            <a:endParaRPr kumimoji="1" lang="zh-CN" altLang="en-US" dirty="0"/>
+          </a:p>
+        </p:txBody>
+      </p:sp>
+      <p:sp>
+        <p:nvSpPr>
+          <p:cNvPr id="31" name="文本框 30">
+            <a:extLst>
+              <a:ext uri="{FF2B5EF4-FFF2-40B4-BE49-F238E27FC236}">
+                <a16:creationId xmlns:a16="http://schemas.microsoft.com/office/drawing/2014/main" id="{B1F0CABF-9851-854F-AE8D-8492237343EE}"/>
+              </a:ext>
+            </a:extLst>
+          </p:cNvPr>
+          <p:cNvSpPr txBox="1"/>
+          <p:nvPr/>
+        </p:nvSpPr>
+        <p:spPr>
+          <a:xfrm>
+            <a:off x="4904509" y="152400"/>
+            <a:ext cx="460382" cy="369332"/>
+          </a:xfrm>
+          <a:prstGeom prst="rect">
+            <a:avLst/>
+          </a:prstGeom>
+          <a:noFill/>
+        </p:spPr>
+        <p:txBody>
+          <a:bodyPr wrap="none" rtlCol="0">
+            <a:spAutoFit/>
+          </a:bodyPr>
+          <a:lstStyle/>
+          <a:p>
+            <a:r>
+              <a:rPr kumimoji="1" lang="en-US" altLang="zh-CN" dirty="0"/>
+              <a:t>NL</a:t>
+            </a:r>
+            <a:endParaRPr kumimoji="1" lang="zh-CN" altLang="en-US" dirty="0"/>
+          </a:p>
+        </p:txBody>
+      </p:sp>
+    </p:spTree>
+    <p:extLst>
+      <p:ext uri="{BB962C8B-B14F-4D97-AF65-F5344CB8AC3E}">
+        <p14:creationId xmlns:p14="http://schemas.microsoft.com/office/powerpoint/2010/main" val="155458351"/>
       </p:ext>
     </p:extLst>
   </p:cSld>
